--- a/Lecture Note_Exercise/p_5_backtracking.pptx
+++ b/Lecture Note_Exercise/p_5_backtracking.pptx
@@ -327,7 +327,7 @@
               <a:pPr>
                 <a:defRPr/>
               </a:pPr>
-              <a:t>2018-07-30</a:t>
+              <a:t>2019-05-16</a:t>
             </a:fld>
             <a:endParaRPr lang="en-US" altLang="ko-KR"/>
           </a:p>
@@ -607,7 +607,7 @@
               <a:pPr>
                 <a:defRPr/>
               </a:pPr>
-              <a:t>2018-07-30</a:t>
+              <a:t>2019-05-16</a:t>
             </a:fld>
             <a:endParaRPr lang="en-US" altLang="ko-KR"/>
           </a:p>
@@ -1338,7 +1338,7 @@
                   <a:spcPct val="0"/>
                 </a:spcBef>
               </a:pPr>
-              <a:t>2018-07-30</a:t>
+              <a:t>2019-05-16</a:t>
             </a:fld>
             <a:endParaRPr lang="en-US" altLang="ko-KR" smtClean="0">
               <a:latin typeface="Times New Roman" panose="02020603050405020304" pitchFamily="18" charset="0"/>
@@ -1880,7 +1880,7 @@
               <a:pPr>
                 <a:defRPr/>
               </a:pPr>
-              <a:t>2018-07-30</a:t>
+              <a:t>2019-05-16</a:t>
             </a:fld>
             <a:endParaRPr lang="en-US" altLang="ko-KR"/>
           </a:p>
@@ -2092,7 +2092,7 @@
               <a:pPr>
                 <a:defRPr/>
               </a:pPr>
-              <a:t>2018-07-30</a:t>
+              <a:t>2019-05-16</a:t>
             </a:fld>
             <a:endParaRPr lang="en-US" altLang="ko-KR"/>
           </a:p>
@@ -2308,7 +2308,7 @@
               <a:pPr>
                 <a:defRPr/>
               </a:pPr>
-              <a:t>2018-07-30</a:t>
+              <a:t>2019-05-16</a:t>
             </a:fld>
             <a:endParaRPr lang="en-US" altLang="ko-KR"/>
           </a:p>
@@ -2524,7 +2524,7 @@
               <a:pPr>
                 <a:defRPr/>
               </a:pPr>
-              <a:t>2018-07-30</a:t>
+              <a:t>2019-05-16</a:t>
             </a:fld>
             <a:endParaRPr lang="en-US" altLang="ko-KR"/>
           </a:p>
@@ -2752,7 +2752,7 @@
               <a:pPr>
                 <a:defRPr/>
               </a:pPr>
-              <a:t>2018-07-30</a:t>
+              <a:t>2019-05-16</a:t>
             </a:fld>
             <a:endParaRPr lang="en-US" altLang="ko-KR"/>
           </a:p>
@@ -3076,7 +3076,7 @@
               <a:pPr>
                 <a:defRPr/>
               </a:pPr>
-              <a:t>2018-07-30</a:t>
+              <a:t>2019-05-16</a:t>
             </a:fld>
             <a:endParaRPr lang="en-US" altLang="ko-KR"/>
           </a:p>
@@ -3539,7 +3539,7 @@
               <a:pPr>
                 <a:defRPr/>
               </a:pPr>
-              <a:t>2018-07-30</a:t>
+              <a:t>2019-05-16</a:t>
             </a:fld>
             <a:endParaRPr lang="en-US" altLang="ko-KR"/>
           </a:p>
@@ -3693,7 +3693,7 @@
               <a:pPr>
                 <a:defRPr/>
               </a:pPr>
-              <a:t>2018-07-30</a:t>
+              <a:t>2019-05-16</a:t>
             </a:fld>
             <a:endParaRPr lang="en-US" altLang="ko-KR"/>
           </a:p>
@@ -3824,7 +3824,7 @@
               <a:pPr>
                 <a:defRPr/>
               </a:pPr>
-              <a:t>2018-07-30</a:t>
+              <a:t>2019-05-16</a:t>
             </a:fld>
             <a:endParaRPr lang="en-US" altLang="ko-KR"/>
           </a:p>
@@ -4137,7 +4137,7 @@
               <a:pPr>
                 <a:defRPr/>
               </a:pPr>
-              <a:t>2018-07-30</a:t>
+              <a:t>2019-05-16</a:t>
             </a:fld>
             <a:endParaRPr lang="en-US" altLang="ko-KR"/>
           </a:p>
@@ -4427,7 +4427,7 @@
               <a:pPr>
                 <a:defRPr/>
               </a:pPr>
-              <a:t>2018-07-30</a:t>
+              <a:t>2019-05-16</a:t>
             </a:fld>
             <a:endParaRPr lang="en-US" altLang="ko-KR"/>
           </a:p>
@@ -4594,7 +4594,7 @@
               <a:pPr>
                 <a:defRPr/>
               </a:pPr>
-              <a:t>2018-07-30</a:t>
+              <a:t>2019-05-16</a:t>
             </a:fld>
             <a:endParaRPr lang="en-US" altLang="ko-KR"/>
           </a:p>
@@ -10538,13 +10538,55 @@
                 <a:tableStyleId>{5FD0F851-EC5A-4D38-B0AD-8093EC10F338}</a:tableStyleId>
               </a:tblPr>
               <a:tblGrid>
-                <a:gridCol w="401411"/>
-                <a:gridCol w="401411"/>
-                <a:gridCol w="401411"/>
-                <a:gridCol w="503499"/>
-                <a:gridCol w="299323"/>
-                <a:gridCol w="401411"/>
-                <a:gridCol w="401411"/>
+                <a:gridCol w="401411">
+                  <a:extLst>
+                    <a:ext uri="{9D8B030D-6E8A-4147-A177-3AD203B41FA5}">
+                      <a16:colId xmlns:a16="http://schemas.microsoft.com/office/drawing/2014/main" val="20000"/>
+                    </a:ext>
+                  </a:extLst>
+                </a:gridCol>
+                <a:gridCol w="401411">
+                  <a:extLst>
+                    <a:ext uri="{9D8B030D-6E8A-4147-A177-3AD203B41FA5}">
+                      <a16:colId xmlns:a16="http://schemas.microsoft.com/office/drawing/2014/main" val="20001"/>
+                    </a:ext>
+                  </a:extLst>
+                </a:gridCol>
+                <a:gridCol w="401411">
+                  <a:extLst>
+                    <a:ext uri="{9D8B030D-6E8A-4147-A177-3AD203B41FA5}">
+                      <a16:colId xmlns:a16="http://schemas.microsoft.com/office/drawing/2014/main" val="20002"/>
+                    </a:ext>
+                  </a:extLst>
+                </a:gridCol>
+                <a:gridCol w="503499">
+                  <a:extLst>
+                    <a:ext uri="{9D8B030D-6E8A-4147-A177-3AD203B41FA5}">
+                      <a16:colId xmlns:a16="http://schemas.microsoft.com/office/drawing/2014/main" val="20003"/>
+                    </a:ext>
+                  </a:extLst>
+                </a:gridCol>
+                <a:gridCol w="299323">
+                  <a:extLst>
+                    <a:ext uri="{9D8B030D-6E8A-4147-A177-3AD203B41FA5}">
+                      <a16:colId xmlns:a16="http://schemas.microsoft.com/office/drawing/2014/main" val="20004"/>
+                    </a:ext>
+                  </a:extLst>
+                </a:gridCol>
+                <a:gridCol w="401411">
+                  <a:extLst>
+                    <a:ext uri="{9D8B030D-6E8A-4147-A177-3AD203B41FA5}">
+                      <a16:colId xmlns:a16="http://schemas.microsoft.com/office/drawing/2014/main" val="20005"/>
+                    </a:ext>
+                  </a:extLst>
+                </a:gridCol>
+                <a:gridCol w="401411">
+                  <a:extLst>
+                    <a:ext uri="{9D8B030D-6E8A-4147-A177-3AD203B41FA5}">
+                      <a16:colId xmlns:a16="http://schemas.microsoft.com/office/drawing/2014/main" val="20006"/>
+                    </a:ext>
+                  </a:extLst>
+                </a:gridCol>
               </a:tblGrid>
               <a:tr h="243946">
                 <a:tc>
@@ -10903,6 +10945,11 @@
                     </a:lnBlToTr>
                   </a:tcPr>
                 </a:tc>
+                <a:extLst>
+                  <a:ext uri="{0D108BD9-81ED-4DB2-BD59-A6C34878D82A}">
+                    <a16:rowId xmlns:a16="http://schemas.microsoft.com/office/drawing/2014/main" val="10000"/>
+                  </a:ext>
+                </a:extLst>
               </a:tr>
               <a:tr h="243946">
                 <a:tc>
@@ -11247,6 +11294,11 @@
                     </a:lnB>
                   </a:tcPr>
                 </a:tc>
+                <a:extLst>
+                  <a:ext uri="{0D108BD9-81ED-4DB2-BD59-A6C34878D82A}">
+                    <a16:rowId xmlns:a16="http://schemas.microsoft.com/office/drawing/2014/main" val="10001"/>
+                  </a:ext>
+                </a:extLst>
               </a:tr>
               <a:tr h="243946">
                 <a:tc>
@@ -11587,6 +11639,11 @@
                     </a:lnB>
                   </a:tcPr>
                 </a:tc>
+                <a:extLst>
+                  <a:ext uri="{0D108BD9-81ED-4DB2-BD59-A6C34878D82A}">
+                    <a16:rowId xmlns:a16="http://schemas.microsoft.com/office/drawing/2014/main" val="10002"/>
+                  </a:ext>
+                </a:extLst>
               </a:tr>
               <a:tr h="243946">
                 <a:tc>
@@ -11943,6 +12000,11 @@
                     </a:lnB>
                   </a:tcPr>
                 </a:tc>
+                <a:extLst>
+                  <a:ext uri="{0D108BD9-81ED-4DB2-BD59-A6C34878D82A}">
+                    <a16:rowId xmlns:a16="http://schemas.microsoft.com/office/drawing/2014/main" val="10003"/>
+                  </a:ext>
+                </a:extLst>
               </a:tr>
               <a:tr h="243946">
                 <a:tc>
@@ -12309,6 +12371,11 @@
                     </a:solidFill>
                   </a:tcPr>
                 </a:tc>
+                <a:extLst>
+                  <a:ext uri="{0D108BD9-81ED-4DB2-BD59-A6C34878D82A}">
+                    <a16:rowId xmlns:a16="http://schemas.microsoft.com/office/drawing/2014/main" val="10004"/>
+                  </a:ext>
+                </a:extLst>
               </a:tr>
               <a:tr h="243946">
                 <a:tc>
@@ -12649,6 +12716,11 @@
                     </a:lnB>
                   </a:tcPr>
                 </a:tc>
+                <a:extLst>
+                  <a:ext uri="{0D108BD9-81ED-4DB2-BD59-A6C34878D82A}">
+                    <a16:rowId xmlns:a16="http://schemas.microsoft.com/office/drawing/2014/main" val="10005"/>
+                  </a:ext>
+                </a:extLst>
               </a:tr>
             </a:tbl>
           </a:graphicData>
@@ -14528,11 +14600,41 @@
                 <a:tableStyleId>{5C22544A-7EE6-4342-B048-85BDC9FD1C3A}</a:tableStyleId>
               </a:tblPr>
               <a:tblGrid>
-                <a:gridCol w="339725"/>
-                <a:gridCol w="339725"/>
-                <a:gridCol w="339725"/>
-                <a:gridCol w="339725"/>
-                <a:gridCol w="339725"/>
+                <a:gridCol w="339725">
+                  <a:extLst>
+                    <a:ext uri="{9D8B030D-6E8A-4147-A177-3AD203B41FA5}">
+                      <a16:colId xmlns:a16="http://schemas.microsoft.com/office/drawing/2014/main" val="20000"/>
+                    </a:ext>
+                  </a:extLst>
+                </a:gridCol>
+                <a:gridCol w="339725">
+                  <a:extLst>
+                    <a:ext uri="{9D8B030D-6E8A-4147-A177-3AD203B41FA5}">
+                      <a16:colId xmlns:a16="http://schemas.microsoft.com/office/drawing/2014/main" val="20001"/>
+                    </a:ext>
+                  </a:extLst>
+                </a:gridCol>
+                <a:gridCol w="339725">
+                  <a:extLst>
+                    <a:ext uri="{9D8B030D-6E8A-4147-A177-3AD203B41FA5}">
+                      <a16:colId xmlns:a16="http://schemas.microsoft.com/office/drawing/2014/main" val="20002"/>
+                    </a:ext>
+                  </a:extLst>
+                </a:gridCol>
+                <a:gridCol w="339725">
+                  <a:extLst>
+                    <a:ext uri="{9D8B030D-6E8A-4147-A177-3AD203B41FA5}">
+                      <a16:colId xmlns:a16="http://schemas.microsoft.com/office/drawing/2014/main" val="20003"/>
+                    </a:ext>
+                  </a:extLst>
+                </a:gridCol>
+                <a:gridCol w="339725">
+                  <a:extLst>
+                    <a:ext uri="{9D8B030D-6E8A-4147-A177-3AD203B41FA5}">
+                      <a16:colId xmlns:a16="http://schemas.microsoft.com/office/drawing/2014/main" val="20004"/>
+                    </a:ext>
+                  </a:extLst>
+                </a:gridCol>
               </a:tblGrid>
               <a:tr h="258821">
                 <a:tc>
@@ -14790,6 +14892,11 @@
                     </a:solidFill>
                   </a:tcPr>
                 </a:tc>
+                <a:extLst>
+                  <a:ext uri="{0D108BD9-81ED-4DB2-BD59-A6C34878D82A}">
+                    <a16:rowId xmlns:a16="http://schemas.microsoft.com/office/drawing/2014/main" val="10000"/>
+                  </a:ext>
+                </a:extLst>
               </a:tr>
               <a:tr h="258821">
                 <a:tc>
@@ -15047,6 +15154,11 @@
                     </a:solidFill>
                   </a:tcPr>
                 </a:tc>
+                <a:extLst>
+                  <a:ext uri="{0D108BD9-81ED-4DB2-BD59-A6C34878D82A}">
+                    <a16:rowId xmlns:a16="http://schemas.microsoft.com/office/drawing/2014/main" val="10001"/>
+                  </a:ext>
+                </a:extLst>
               </a:tr>
               <a:tr h="258821">
                 <a:tc>
@@ -15304,6 +15416,11 @@
                     </a:solidFill>
                   </a:tcPr>
                 </a:tc>
+                <a:extLst>
+                  <a:ext uri="{0D108BD9-81ED-4DB2-BD59-A6C34878D82A}">
+                    <a16:rowId xmlns:a16="http://schemas.microsoft.com/office/drawing/2014/main" val="10002"/>
+                  </a:ext>
+                </a:extLst>
               </a:tr>
               <a:tr h="258821">
                 <a:tc>
@@ -15561,6 +15678,11 @@
                     </a:solidFill>
                   </a:tcPr>
                 </a:tc>
+                <a:extLst>
+                  <a:ext uri="{0D108BD9-81ED-4DB2-BD59-A6C34878D82A}">
+                    <a16:rowId xmlns:a16="http://schemas.microsoft.com/office/drawing/2014/main" val="10003"/>
+                  </a:ext>
+                </a:extLst>
               </a:tr>
               <a:tr h="258821">
                 <a:tc>
@@ -15818,6 +15940,11 @@
                     </a:solidFill>
                   </a:tcPr>
                 </a:tc>
+                <a:extLst>
+                  <a:ext uri="{0D108BD9-81ED-4DB2-BD59-A6C34878D82A}">
+                    <a16:rowId xmlns:a16="http://schemas.microsoft.com/office/drawing/2014/main" val="10004"/>
+                  </a:ext>
+                </a:extLst>
               </a:tr>
             </a:tbl>
           </a:graphicData>
@@ -16566,7 +16693,7 @@
             <a:graphicData uri="http://schemas.openxmlformats.org/presentationml/2006/ole">
               <mc:AlternateContent xmlns:mc="http://schemas.openxmlformats.org/markup-compatibility/2006">
                 <mc:Choice xmlns:v="urn:schemas-microsoft-com:vml" Requires="v">
-                  <p:oleObj spid="_x0000_s23562" name="Equation" r:id="rId4" imgW="1587500" imgH="660400" progId="Equation.3">
+                  <p:oleObj spid="_x0000_s23563" name="Equation" r:id="rId4" imgW="1587500" imgH="660400" progId="Equation.3">
                     <p:embed/>
                   </p:oleObj>
                 </mc:Choice>
